--- a/fuentes/contenidos/grado07/guion06/MapaConceptual_MA_07_06_CO.pptx
+++ b/fuentes/contenidos/grado07/guion06/MapaConceptual_MA_07_06_CO.pptx
@@ -139,13 +139,6 @@
   <p:clrMapOvr>
     <a:masterClrMapping/>
   </p:clrMapOvr>
-  <p:timing>
-    <p:tnLst>
-      <p:par>
-        <p:cTn id="1" dur="indefinite" restart="never" nodeType="tmRoot"/>
-      </p:par>
-    </p:tnLst>
-  </p:timing>
 </p:sldLayout>
 </file>
 
@@ -176,13 +169,6 @@
   <p:clrMapOvr>
     <a:masterClrMapping/>
   </p:clrMapOvr>
-  <p:timing>
-    <p:tnLst>
-      <p:par>
-        <p:cTn id="1" dur="indefinite" restart="never" nodeType="tmRoot"/>
-      </p:par>
-    </p:tnLst>
-  </p:timing>
 </p:sldLayout>
 </file>
 
@@ -213,13 +199,6 @@
   <p:clrMapOvr>
     <a:masterClrMapping/>
   </p:clrMapOvr>
-  <p:timing>
-    <p:tnLst>
-      <p:par>
-        <p:cTn id="1" dur="indefinite" restart="never" nodeType="tmRoot"/>
-      </p:par>
-    </p:tnLst>
-  </p:timing>
 </p:sldLayout>
 </file>
 
@@ -250,13 +229,6 @@
   <p:clrMapOvr>
     <a:masterClrMapping/>
   </p:clrMapOvr>
-  <p:timing>
-    <p:tnLst>
-      <p:par>
-        <p:cTn id="1" dur="indefinite" restart="never" nodeType="tmRoot"/>
-      </p:par>
-    </p:tnLst>
-  </p:timing>
 </p:sldLayout>
 </file>
 
@@ -287,13 +259,6 @@
   <p:clrMapOvr>
     <a:masterClrMapping/>
   </p:clrMapOvr>
-  <p:timing>
-    <p:tnLst>
-      <p:par>
-        <p:cTn id="1" dur="indefinite" restart="never" nodeType="tmRoot"/>
-      </p:par>
-    </p:tnLst>
-  </p:timing>
 </p:sldLayout>
 </file>
 
@@ -324,13 +289,6 @@
   <p:clrMapOvr>
     <a:masterClrMapping/>
   </p:clrMapOvr>
-  <p:timing>
-    <p:tnLst>
-      <p:par>
-        <p:cTn id="1" dur="indefinite" restart="never" nodeType="tmRoot"/>
-      </p:par>
-    </p:tnLst>
-  </p:timing>
 </p:sldLayout>
 </file>
 
@@ -361,13 +319,6 @@
   <p:clrMapOvr>
     <a:masterClrMapping/>
   </p:clrMapOvr>
-  <p:timing>
-    <p:tnLst>
-      <p:par>
-        <p:cTn id="1" dur="indefinite" restart="never" nodeType="tmRoot"/>
-      </p:par>
-    </p:tnLst>
-  </p:timing>
 </p:sldLayout>
 </file>
 
@@ -398,13 +349,6 @@
   <p:clrMapOvr>
     <a:masterClrMapping/>
   </p:clrMapOvr>
-  <p:timing>
-    <p:tnLst>
-      <p:par>
-        <p:cTn id="1" dur="indefinite" restart="never" nodeType="tmRoot"/>
-      </p:par>
-    </p:tnLst>
-  </p:timing>
 </p:sldLayout>
 </file>
 
@@ -450,7 +394,7 @@
           <a:p>
             <a:fld id="{5001C876-01F7-4317-94B9-1AE222133113}" type="datetimeFigureOut">
               <a:rPr lang="es-ES" smtClean="0"/>
-              <a:t>07/02/2016</a:t>
+              <a:t>11/02/2016</a:t>
             </a:fld>
             <a:endParaRPr lang="es-ES"/>
           </a:p>
@@ -524,13 +468,6 @@
   <p:clrMapOvr>
     <a:masterClrMapping/>
   </p:clrMapOvr>
-  <p:timing>
-    <p:tnLst>
-      <p:par>
-        <p:cTn id="1" dur="indefinite" restart="never" nodeType="tmRoot"/>
-      </p:par>
-    </p:tnLst>
-  </p:timing>
 </p:sldLayout>
 </file>
 
@@ -561,13 +498,6 @@
   <p:clrMapOvr>
     <a:masterClrMapping/>
   </p:clrMapOvr>
-  <p:timing>
-    <p:tnLst>
-      <p:par>
-        <p:cTn id="1" dur="indefinite" restart="never" nodeType="tmRoot"/>
-      </p:par>
-    </p:tnLst>
-  </p:timing>
 </p:sldLayout>
 </file>
 
@@ -598,13 +528,6 @@
   <p:clrMapOvr>
     <a:masterClrMapping/>
   </p:clrMapOvr>
-  <p:timing>
-    <p:tnLst>
-      <p:par>
-        <p:cTn id="1" dur="indefinite" restart="never" nodeType="tmRoot"/>
-      </p:par>
-    </p:tnLst>
-  </p:timing>
 </p:sldLayout>
 </file>
 
@@ -718,13 +641,6 @@
     <p:sldLayoutId id="2147483670" r:id="rId10"/>
     <p:sldLayoutId id="2147483671" r:id="rId11"/>
   </p:sldLayoutIdLst>
-  <p:timing>
-    <p:tnLst>
-      <p:par>
-        <p:cTn id="1" dur="indefinite" restart="never" nodeType="tmRoot"/>
-      </p:par>
-    </p:tnLst>
-  </p:timing>
   <p:txStyles>
     <p:titleStyle>
       <a:lvl1pPr algn="l" defTabSz="914400" rtl="0" eaLnBrk="1" latinLnBrk="0" hangingPunct="1">
@@ -1311,7 +1227,17 @@
                 <a:latin typeface="Arial" panose="020B0604020202020204" pitchFamily="34" charset="0"/>
                 <a:cs typeface="Arial" panose="020B0604020202020204" pitchFamily="34" charset="0"/>
               </a:rPr>
-              <a:t>Operaciones Básicas</a:t>
+              <a:t>operaciones </a:t>
+            </a:r>
+            <a:r>
+              <a:rPr lang="es-ES" sz="1050" dirty="0" smtClean="0">
+                <a:solidFill>
+                  <a:schemeClr val="bg1"/>
+                </a:solidFill>
+                <a:latin typeface="Arial" panose="020B0604020202020204" pitchFamily="34" charset="0"/>
+                <a:cs typeface="Arial" panose="020B0604020202020204" pitchFamily="34" charset="0"/>
+              </a:rPr>
+              <a:t>Básicas</a:t>
             </a:r>
             <a:endParaRPr lang="es-ES" sz="1050" dirty="0">
               <a:solidFill>
@@ -1585,7 +1511,7 @@
         <p:spPr>
           <a:xfrm>
             <a:off x="820159" y="4713240"/>
-            <a:ext cx="1118927" cy="353519"/>
+            <a:ext cx="1118927" cy="361268"/>
           </a:xfrm>
           <a:prstGeom prst="rect">
             <a:avLst/>
@@ -1960,7 +1886,17 @@
                 <a:latin typeface="Arial" panose="020B0604020202020204" pitchFamily="34" charset="0"/>
                 <a:cs typeface="Arial" panose="020B0604020202020204" pitchFamily="34" charset="0"/>
               </a:rPr>
-              <a:t>Racionales fraccionarios</a:t>
+              <a:t>racionales </a:t>
+            </a:r>
+            <a:r>
+              <a:rPr lang="es-ES" sz="900" dirty="0" smtClean="0">
+                <a:solidFill>
+                  <a:schemeClr val="tx1"/>
+                </a:solidFill>
+                <a:latin typeface="Arial" panose="020B0604020202020204" pitchFamily="34" charset="0"/>
+                <a:cs typeface="Arial" panose="020B0604020202020204" pitchFamily="34" charset="0"/>
+              </a:rPr>
+              <a:t>fraccionarios</a:t>
             </a:r>
             <a:endParaRPr lang="es-ES" sz="900" dirty="0">
               <a:solidFill>
@@ -2020,8 +1956,8 @@
         </p:nvCxnSpPr>
         <p:spPr>
           <a:xfrm rot="5400000" flipH="1" flipV="1">
-            <a:off x="1299454" y="5146052"/>
-            <a:ext cx="159461" cy="877"/>
+            <a:off x="1303328" y="5149926"/>
+            <a:ext cx="151712" cy="877"/>
           </a:xfrm>
           <a:prstGeom prst="bentConnector3">
             <a:avLst>
@@ -2419,8 +2355,8 @@
         </p:nvSpPr>
         <p:spPr>
           <a:xfrm>
-            <a:off x="4193356" y="2748309"/>
-            <a:ext cx="1122431" cy="343441"/>
+            <a:off x="4193356" y="2746043"/>
+            <a:ext cx="1122431" cy="417167"/>
           </a:xfrm>
           <a:prstGeom prst="rect">
             <a:avLst/>
@@ -2483,8 +2419,8 @@
         </p:nvSpPr>
         <p:spPr>
           <a:xfrm>
-            <a:off x="5473532" y="3587947"/>
-            <a:ext cx="1122431" cy="353519"/>
+            <a:off x="5473532" y="3595696"/>
+            <a:ext cx="1122431" cy="467142"/>
           </a:xfrm>
           <a:prstGeom prst="rect">
             <a:avLst/>
@@ -2545,7 +2481,7 @@
         </p:nvSpPr>
         <p:spPr>
           <a:xfrm>
-            <a:off x="5473532" y="3226160"/>
+            <a:off x="5473532" y="3319148"/>
             <a:ext cx="1117174" cy="230832"/>
           </a:xfrm>
           <a:prstGeom prst="rect">
@@ -2585,8 +2521,8 @@
         </p:nvCxnSpPr>
         <p:spPr>
           <a:xfrm rot="16200000" flipH="1">
-            <a:off x="4674232" y="2667969"/>
-            <a:ext cx="153542" cy="7137"/>
+            <a:off x="4675365" y="2666836"/>
+            <a:ext cx="151276" cy="7137"/>
           </a:xfrm>
           <a:prstGeom prst="bentConnector3">
             <a:avLst>
@@ -2625,8 +2561,8 @@
         </p:nvCxnSpPr>
         <p:spPr>
           <a:xfrm rot="16200000" flipH="1">
-            <a:off x="5326140" y="2520181"/>
-            <a:ext cx="134410" cy="1277547"/>
+            <a:off x="5315376" y="2602405"/>
+            <a:ext cx="155938" cy="1277547"/>
           </a:xfrm>
           <a:prstGeom prst="bentConnector3">
             <a:avLst>
@@ -2665,8 +2601,8 @@
         </p:nvCxnSpPr>
         <p:spPr>
           <a:xfrm rot="16200000" flipH="1">
-            <a:off x="5967956" y="3521154"/>
-            <a:ext cx="130955" cy="2629"/>
+            <a:off x="6010575" y="3571523"/>
+            <a:ext cx="45716" cy="2629"/>
           </a:xfrm>
           <a:prstGeom prst="bentConnector3">
             <a:avLst>
@@ -2705,8 +2641,8 @@
         </p:nvCxnSpPr>
         <p:spPr>
           <a:xfrm rot="5400000">
-            <a:off x="5914902" y="4057930"/>
-            <a:ext cx="236311" cy="3382"/>
+            <a:off x="5971713" y="4122491"/>
+            <a:ext cx="122688" cy="3382"/>
           </a:xfrm>
           <a:prstGeom prst="bentConnector3">
             <a:avLst>
@@ -3109,7 +3045,7 @@
         <p:spPr>
           <a:xfrm>
             <a:off x="6955562" y="2737796"/>
-            <a:ext cx="1122431" cy="443052"/>
+            <a:ext cx="1122431" cy="425412"/>
           </a:xfrm>
           <a:prstGeom prst="rect">
             <a:avLst/>
@@ -3273,8 +3209,8 @@
         </p:nvCxnSpPr>
         <p:spPr>
           <a:xfrm rot="16200000" flipH="1">
-            <a:off x="7444825" y="2665842"/>
-            <a:ext cx="143029" cy="877"/>
+            <a:off x="7444824" y="2665842"/>
+            <a:ext cx="143030" cy="878"/>
           </a:xfrm>
           <a:prstGeom prst="bentConnector3">
             <a:avLst>
@@ -3313,8 +3249,8 @@
         </p:nvCxnSpPr>
         <p:spPr>
           <a:xfrm rot="5400000">
-            <a:off x="7482568" y="3214182"/>
-            <a:ext cx="67544" cy="876"/>
+            <a:off x="7473748" y="3205362"/>
+            <a:ext cx="85184" cy="876"/>
           </a:xfrm>
           <a:prstGeom prst="bentConnector3">
             <a:avLst>
@@ -3434,7 +3370,17 @@
                 <a:latin typeface="Arial" panose="020B0604020202020204" pitchFamily="34" charset="0"/>
                 <a:cs typeface="Arial" panose="020B0604020202020204" pitchFamily="34" charset="0"/>
               </a:rPr>
-              <a:t>Potencias y raíces</a:t>
+              <a:t>potencias </a:t>
+            </a:r>
+            <a:r>
+              <a:rPr lang="es-ES" sz="1050" dirty="0" smtClean="0">
+                <a:solidFill>
+                  <a:schemeClr val="bg1"/>
+                </a:solidFill>
+                <a:latin typeface="Arial" panose="020B0604020202020204" pitchFamily="34" charset="0"/>
+                <a:cs typeface="Arial" panose="020B0604020202020204" pitchFamily="34" charset="0"/>
+              </a:rPr>
+              <a:t>y raíces</a:t>
             </a:r>
             <a:endParaRPr lang="es-ES" sz="1050" dirty="0">
               <a:solidFill>
@@ -3536,7 +3482,17 @@
                 <a:latin typeface="Arial" panose="020B0604020202020204" pitchFamily="34" charset="0"/>
                 <a:cs typeface="Arial" panose="020B0604020202020204" pitchFamily="34" charset="0"/>
               </a:rPr>
-              <a:t>Racionales decimales</a:t>
+              <a:t>racionales </a:t>
+            </a:r>
+            <a:r>
+              <a:rPr lang="es-ES" sz="900" dirty="0" smtClean="0">
+                <a:solidFill>
+                  <a:schemeClr val="tx1"/>
+                </a:solidFill>
+                <a:latin typeface="Arial" panose="020B0604020202020204" pitchFamily="34" charset="0"/>
+                <a:cs typeface="Arial" panose="020B0604020202020204" pitchFamily="34" charset="0"/>
+              </a:rPr>
+              <a:t>decimales</a:t>
             </a:r>
             <a:endParaRPr lang="es-ES" sz="900" dirty="0">
               <a:solidFill>
@@ -3634,7 +3590,7 @@
         <p:spPr>
           <a:xfrm>
             <a:off x="2144981" y="2746044"/>
-            <a:ext cx="1122431" cy="343441"/>
+            <a:ext cx="1122431" cy="417166"/>
           </a:xfrm>
           <a:prstGeom prst="rect">
             <a:avLst/>
@@ -3698,7 +3654,7 @@
         <p:spPr>
           <a:xfrm>
             <a:off x="2144981" y="3609643"/>
-            <a:ext cx="1122431" cy="353519"/>
+            <a:ext cx="1122431" cy="453242"/>
           </a:xfrm>
           <a:prstGeom prst="rect">
             <a:avLst/>
@@ -3839,8 +3795,8 @@
         </p:nvCxnSpPr>
         <p:spPr>
           <a:xfrm rot="5400000">
-            <a:off x="2637422" y="3157384"/>
-            <a:ext cx="136675" cy="876"/>
+            <a:off x="2674284" y="3194247"/>
+            <a:ext cx="62950" cy="876"/>
           </a:xfrm>
           <a:prstGeom prst="bentConnector3">
             <a:avLst>
@@ -4033,7 +3989,7 @@
         </p:nvSpPr>
         <p:spPr>
           <a:xfrm>
-            <a:off x="3414763" y="3222769"/>
+            <a:off x="3414763" y="3315757"/>
             <a:ext cx="1117174" cy="230832"/>
           </a:xfrm>
           <a:prstGeom prst="rect">
@@ -4073,8 +4029,8 @@
         </p:nvCxnSpPr>
         <p:spPr>
           <a:xfrm rot="5400000">
-            <a:off x="4298452" y="2766648"/>
-            <a:ext cx="131019" cy="781222"/>
+            <a:off x="4287688" y="2848872"/>
+            <a:ext cx="152547" cy="781222"/>
           </a:xfrm>
           <a:prstGeom prst="bentConnector3">
             <a:avLst>
@@ -4113,8 +4069,8 @@
         </p:nvCxnSpPr>
         <p:spPr>
           <a:xfrm rot="16200000" flipH="1">
-            <a:off x="3893733" y="3533217"/>
-            <a:ext cx="164429" cy="5195"/>
+            <a:off x="3936352" y="3583586"/>
+            <a:ext cx="79190" cy="5195"/>
           </a:xfrm>
           <a:prstGeom prst="bentConnector3">
             <a:avLst>
@@ -4150,7 +4106,7 @@
         </p:nvSpPr>
         <p:spPr>
           <a:xfrm>
-            <a:off x="3389186" y="3618030"/>
+            <a:off x="3389186" y="3625779"/>
             <a:ext cx="1178718" cy="862077"/>
           </a:xfrm>
           <a:prstGeom prst="rect">
@@ -4191,10 +4147,8 @@
                 <a:latin typeface="Arial" panose="020B0604020202020204" pitchFamily="34" charset="0"/>
                 <a:cs typeface="Arial" panose="020B0604020202020204" pitchFamily="34" charset="0"/>
               </a:rPr>
-              <a:t>1. Potencias y raíces.</a:t>
-            </a:r>
-          </a:p>
-          <a:p>
+              <a:t>1. </a:t>
+            </a:r>
             <a:r>
               <a:rPr lang="es-ES" sz="900" dirty="0" smtClean="0">
                 <a:solidFill>
@@ -4203,10 +4157,8 @@
                 <a:latin typeface="Arial" panose="020B0604020202020204" pitchFamily="34" charset="0"/>
                 <a:cs typeface="Arial" panose="020B0604020202020204" pitchFamily="34" charset="0"/>
               </a:rPr>
-              <a:t>2. Multiplicaciones y divisiones.</a:t>
-            </a:r>
-          </a:p>
-          <a:p>
+              <a:t>potencias </a:t>
+            </a:r>
             <a:r>
               <a:rPr lang="es-ES" sz="900" dirty="0" smtClean="0">
                 <a:solidFill>
@@ -4215,7 +4167,71 @@
                 <a:latin typeface="Arial" panose="020B0604020202020204" pitchFamily="34" charset="0"/>
                 <a:cs typeface="Arial" panose="020B0604020202020204" pitchFamily="34" charset="0"/>
               </a:rPr>
-              <a:t>3. Sumas y restas.</a:t>
+              <a:t>y raíces.</a:t>
+            </a:r>
+          </a:p>
+          <a:p>
+            <a:r>
+              <a:rPr lang="es-ES" sz="900" dirty="0" smtClean="0">
+                <a:solidFill>
+                  <a:schemeClr val="tx1"/>
+                </a:solidFill>
+                <a:latin typeface="Arial" panose="020B0604020202020204" pitchFamily="34" charset="0"/>
+                <a:cs typeface="Arial" panose="020B0604020202020204" pitchFamily="34" charset="0"/>
+              </a:rPr>
+              <a:t>2. </a:t>
+            </a:r>
+            <a:r>
+              <a:rPr lang="es-ES" sz="900" dirty="0" smtClean="0">
+                <a:solidFill>
+                  <a:schemeClr val="tx1"/>
+                </a:solidFill>
+                <a:latin typeface="Arial" panose="020B0604020202020204" pitchFamily="34" charset="0"/>
+                <a:cs typeface="Arial" panose="020B0604020202020204" pitchFamily="34" charset="0"/>
+              </a:rPr>
+              <a:t>multiplicaciones </a:t>
+            </a:r>
+            <a:r>
+              <a:rPr lang="es-ES" sz="900" dirty="0" smtClean="0">
+                <a:solidFill>
+                  <a:schemeClr val="tx1"/>
+                </a:solidFill>
+                <a:latin typeface="Arial" panose="020B0604020202020204" pitchFamily="34" charset="0"/>
+                <a:cs typeface="Arial" panose="020B0604020202020204" pitchFamily="34" charset="0"/>
+              </a:rPr>
+              <a:t>y divisiones.</a:t>
+            </a:r>
+          </a:p>
+          <a:p>
+            <a:r>
+              <a:rPr lang="es-ES" sz="900" dirty="0" smtClean="0">
+                <a:solidFill>
+                  <a:schemeClr val="tx1"/>
+                </a:solidFill>
+                <a:latin typeface="Arial" panose="020B0604020202020204" pitchFamily="34" charset="0"/>
+                <a:cs typeface="Arial" panose="020B0604020202020204" pitchFamily="34" charset="0"/>
+              </a:rPr>
+              <a:t>3. </a:t>
+            </a:r>
+            <a:r>
+              <a:rPr lang="es-ES" sz="900" dirty="0" smtClean="0">
+                <a:solidFill>
+                  <a:schemeClr val="tx1"/>
+                </a:solidFill>
+                <a:latin typeface="Arial" panose="020B0604020202020204" pitchFamily="34" charset="0"/>
+                <a:cs typeface="Arial" panose="020B0604020202020204" pitchFamily="34" charset="0"/>
+              </a:rPr>
+              <a:t>sumas </a:t>
+            </a:r>
+            <a:r>
+              <a:rPr lang="es-ES" sz="900" dirty="0" smtClean="0">
+                <a:solidFill>
+                  <a:schemeClr val="tx1"/>
+                </a:solidFill>
+                <a:latin typeface="Arial" panose="020B0604020202020204" pitchFamily="34" charset="0"/>
+                <a:cs typeface="Arial" panose="020B0604020202020204" pitchFamily="34" charset="0"/>
+              </a:rPr>
+              <a:t>y restas.</a:t>
             </a:r>
           </a:p>
         </p:txBody>
@@ -4228,7 +4244,7 @@
         </p:nvSpPr>
         <p:spPr>
           <a:xfrm>
-            <a:off x="3395913" y="4668960"/>
+            <a:off x="3395913" y="4676709"/>
             <a:ext cx="1171991" cy="397799"/>
           </a:xfrm>
           <a:prstGeom prst="rect">
@@ -4293,7 +4309,7 @@
         </p:nvCxnSpPr>
         <p:spPr>
           <a:xfrm rot="16200000" flipV="1">
-            <a:off x="3885801" y="4572852"/>
+            <a:off x="3885801" y="4580601"/>
             <a:ext cx="188853" cy="3364"/>
           </a:xfrm>
           <a:prstGeom prst="bentConnector3">
@@ -4328,8 +4344,8 @@
         </p:nvSpPr>
         <p:spPr>
           <a:xfrm>
-            <a:off x="5471026" y="4668960"/>
-            <a:ext cx="1118927" cy="353519"/>
+            <a:off x="5471026" y="4676709"/>
+            <a:ext cx="1118927" cy="397799"/>
           </a:xfrm>
           <a:prstGeom prst="rect">
             <a:avLst/>
@@ -4390,7 +4406,7 @@
         </p:nvSpPr>
         <p:spPr>
           <a:xfrm>
-            <a:off x="5472779" y="4177777"/>
+            <a:off x="5472779" y="4185526"/>
             <a:ext cx="1117174" cy="230832"/>
           </a:xfrm>
           <a:prstGeom prst="rect">
@@ -4430,7 +4446,7 @@
         </p:nvCxnSpPr>
         <p:spPr>
           <a:xfrm rot="5400000">
-            <a:off x="5900753" y="4538346"/>
+            <a:off x="5900753" y="4546095"/>
             <a:ext cx="260351" cy="876"/>
           </a:xfrm>
           <a:prstGeom prst="bentConnector3">
@@ -4467,7 +4483,7 @@
         </p:nvSpPr>
         <p:spPr>
           <a:xfrm>
-            <a:off x="5440546" y="5346668"/>
+            <a:off x="5440546" y="5354417"/>
             <a:ext cx="1178718" cy="1043972"/>
           </a:xfrm>
           <a:prstGeom prst="rect">
@@ -4508,10 +4524,8 @@
                 <a:latin typeface="Arial" panose="020B0604020202020204" pitchFamily="34" charset="0"/>
                 <a:cs typeface="Arial" panose="020B0604020202020204" pitchFamily="34" charset="0"/>
               </a:rPr>
-              <a:t>1. Signos de agrupación</a:t>
-            </a:r>
-          </a:p>
-          <a:p>
+              <a:t>1. </a:t>
+            </a:r>
             <a:r>
               <a:rPr lang="es-ES" sz="900" dirty="0" smtClean="0">
                 <a:solidFill>
@@ -4520,7 +4534,49 @@
                 <a:latin typeface="Arial" panose="020B0604020202020204" pitchFamily="34" charset="0"/>
                 <a:cs typeface="Arial" panose="020B0604020202020204" pitchFamily="34" charset="0"/>
               </a:rPr>
-              <a:t>2. Potencias y raíces.</a:t>
+              <a:t>signos </a:t>
+            </a:r>
+            <a:r>
+              <a:rPr lang="es-ES" sz="900" dirty="0" smtClean="0">
+                <a:solidFill>
+                  <a:schemeClr val="tx1"/>
+                </a:solidFill>
+                <a:latin typeface="Arial" panose="020B0604020202020204" pitchFamily="34" charset="0"/>
+                <a:cs typeface="Arial" panose="020B0604020202020204" pitchFamily="34" charset="0"/>
+              </a:rPr>
+              <a:t>de agrupación</a:t>
+            </a:r>
+          </a:p>
+          <a:p>
+            <a:r>
+              <a:rPr lang="es-ES" sz="900" dirty="0" smtClean="0">
+                <a:solidFill>
+                  <a:schemeClr val="tx1"/>
+                </a:solidFill>
+                <a:latin typeface="Arial" panose="020B0604020202020204" pitchFamily="34" charset="0"/>
+                <a:cs typeface="Arial" panose="020B0604020202020204" pitchFamily="34" charset="0"/>
+              </a:rPr>
+              <a:t>2. </a:t>
+            </a:r>
+            <a:r>
+              <a:rPr lang="es-ES" sz="900" dirty="0" smtClean="0">
+                <a:solidFill>
+                  <a:schemeClr val="tx1"/>
+                </a:solidFill>
+                <a:latin typeface="Arial" panose="020B0604020202020204" pitchFamily="34" charset="0"/>
+                <a:cs typeface="Arial" panose="020B0604020202020204" pitchFamily="34" charset="0"/>
+              </a:rPr>
+              <a:t>potencias </a:t>
+            </a:r>
+            <a:r>
+              <a:rPr lang="es-ES" sz="900" dirty="0" smtClean="0">
+                <a:solidFill>
+                  <a:schemeClr val="tx1"/>
+                </a:solidFill>
+                <a:latin typeface="Arial" panose="020B0604020202020204" pitchFamily="34" charset="0"/>
+                <a:cs typeface="Arial" panose="020B0604020202020204" pitchFamily="34" charset="0"/>
+              </a:rPr>
+              <a:t>y raíces.</a:t>
             </a:r>
           </a:p>
           <a:p>
@@ -4542,7 +4598,27 @@
                 <a:latin typeface="Arial" panose="020B0604020202020204" pitchFamily="34" charset="0"/>
                 <a:cs typeface="Arial" panose="020B0604020202020204" pitchFamily="34" charset="0"/>
               </a:rPr>
-              <a:t>. Multiplicaciones y divisiones.</a:t>
+              <a:t>. </a:t>
+            </a:r>
+            <a:r>
+              <a:rPr lang="es-ES" sz="900" dirty="0" smtClean="0">
+                <a:solidFill>
+                  <a:schemeClr val="tx1"/>
+                </a:solidFill>
+                <a:latin typeface="Arial" panose="020B0604020202020204" pitchFamily="34" charset="0"/>
+                <a:cs typeface="Arial" panose="020B0604020202020204" pitchFamily="34" charset="0"/>
+              </a:rPr>
+              <a:t>multiplicaciones </a:t>
+            </a:r>
+            <a:r>
+              <a:rPr lang="es-ES" sz="900" dirty="0" smtClean="0">
+                <a:solidFill>
+                  <a:schemeClr val="tx1"/>
+                </a:solidFill>
+                <a:latin typeface="Arial" panose="020B0604020202020204" pitchFamily="34" charset="0"/>
+                <a:cs typeface="Arial" panose="020B0604020202020204" pitchFamily="34" charset="0"/>
+              </a:rPr>
+              <a:t>y divisiones.</a:t>
             </a:r>
           </a:p>
           <a:p>
@@ -4564,7 +4640,27 @@
                 <a:latin typeface="Arial" panose="020B0604020202020204" pitchFamily="34" charset="0"/>
                 <a:cs typeface="Arial" panose="020B0604020202020204" pitchFamily="34" charset="0"/>
               </a:rPr>
-              <a:t>. Sumas y restas.</a:t>
+              <a:t>. </a:t>
+            </a:r>
+            <a:r>
+              <a:rPr lang="es-ES" sz="900" dirty="0" smtClean="0">
+                <a:solidFill>
+                  <a:schemeClr val="tx1"/>
+                </a:solidFill>
+                <a:latin typeface="Arial" panose="020B0604020202020204" pitchFamily="34" charset="0"/>
+                <a:cs typeface="Arial" panose="020B0604020202020204" pitchFamily="34" charset="0"/>
+              </a:rPr>
+              <a:t>sumas </a:t>
+            </a:r>
+            <a:r>
+              <a:rPr lang="es-ES" sz="900" dirty="0" smtClean="0">
+                <a:solidFill>
+                  <a:schemeClr val="tx1"/>
+                </a:solidFill>
+                <a:latin typeface="Arial" panose="020B0604020202020204" pitchFamily="34" charset="0"/>
+                <a:cs typeface="Arial" panose="020B0604020202020204" pitchFamily="34" charset="0"/>
+              </a:rPr>
+              <a:t>y restas.</a:t>
             </a:r>
           </a:p>
         </p:txBody>
@@ -4580,8 +4676,8 @@
         </p:nvCxnSpPr>
         <p:spPr>
           <a:xfrm rot="5400000" flipH="1" flipV="1">
-            <a:off x="5868103" y="5184282"/>
-            <a:ext cx="324189" cy="585"/>
+            <a:off x="5890243" y="5214171"/>
+            <a:ext cx="279909" cy="585"/>
           </a:xfrm>
           <a:prstGeom prst="bentConnector3">
             <a:avLst>
@@ -4619,13 +4715,6 @@
   <p:clrMapOvr>
     <a:masterClrMapping/>
   </p:clrMapOvr>
-  <p:timing>
-    <p:tnLst>
-      <p:par>
-        <p:cTn id="1" dur="indefinite" restart="never" nodeType="tmRoot"/>
-      </p:par>
-    </p:tnLst>
-  </p:timing>
 </p:sld>
 </file>
 

--- a/fuentes/contenidos/grado07/guion06/MapaConceptual_MA_07_06_CO.pptx
+++ b/fuentes/contenidos/grado07/guion06/MapaConceptual_MA_07_06_CO.pptx
@@ -394,7 +394,7 @@
           <a:p>
             <a:fld id="{5001C876-01F7-4317-94B9-1AE222133113}" type="datetimeFigureOut">
               <a:rPr lang="es-ES" smtClean="0"/>
-              <a:t>11/02/2016</a:t>
+              <a:t>13/03/2016</a:t>
             </a:fld>
             <a:endParaRPr lang="es-ES"/>
           </a:p>
@@ -577,16 +577,12 @@
           <a:p>
             <a:pPr algn="ctr"/>
             <a:r>
-              <a:rPr lang="es-ES" sz="1200" dirty="0" smtClean="0">
+              <a:rPr lang="es-ES" sz="1200" dirty="0">
                 <a:latin typeface="Arial" panose="020B0604020202020204" pitchFamily="34" charset="0"/>
                 <a:cs typeface="Arial" panose="020B0604020202020204" pitchFamily="34" charset="0"/>
               </a:rPr>
               <a:t>© Editorial Planeta Colombiana S.A., 2016.</a:t>
             </a:r>
-            <a:endParaRPr lang="es-ES" sz="1200" dirty="0">
-              <a:latin typeface="Arial" panose="020B0604020202020204" pitchFamily="34" charset="0"/>
-              <a:cs typeface="Arial" panose="020B0604020202020204" pitchFamily="34" charset="0"/>
-            </a:endParaRPr>
           </a:p>
         </p:txBody>
       </p:sp>
@@ -1047,16 +1043,12 @@
           <a:p>
             <a:pPr algn="ctr"/>
             <a:r>
-              <a:rPr lang="es-ES" sz="1200" b="1" dirty="0" smtClean="0">
+              <a:rPr lang="es-ES" sz="1200" b="1" dirty="0">
                 <a:latin typeface="Arial" panose="020B0604020202020204" pitchFamily="34" charset="0"/>
                 <a:cs typeface="Arial" panose="020B0604020202020204" pitchFamily="34" charset="0"/>
               </a:rPr>
               <a:t>Operaciones</a:t>
             </a:r>
-            <a:endParaRPr lang="es-ES" sz="1200" b="1" dirty="0">
-              <a:latin typeface="Arial" panose="020B0604020202020204" pitchFamily="34" charset="0"/>
-              <a:cs typeface="Arial" panose="020B0604020202020204" pitchFamily="34" charset="0"/>
-            </a:endParaRPr>
           </a:p>
         </p:txBody>
       </p:sp>
@@ -1122,16 +1114,12 @@
           <a:p>
             <a:pPr algn="ctr"/>
             <a:r>
-              <a:rPr lang="es-ES" sz="900" dirty="0" smtClean="0">
+              <a:rPr lang="es-ES" sz="900" dirty="0">
                 <a:latin typeface="Arial" panose="020B0604020202020204" pitchFamily="34" charset="0"/>
                 <a:cs typeface="Arial" panose="020B0604020202020204" pitchFamily="34" charset="0"/>
               </a:rPr>
               <a:t>se dividen en</a:t>
             </a:r>
-            <a:endParaRPr lang="es-ES" sz="900" dirty="0">
-              <a:latin typeface="Arial" panose="020B0604020202020204" pitchFamily="34" charset="0"/>
-              <a:cs typeface="Arial" panose="020B0604020202020204" pitchFamily="34" charset="0"/>
-            </a:endParaRPr>
           </a:p>
         </p:txBody>
       </p:sp>
@@ -1220,32 +1208,15 @@
           <a:p>
             <a:pPr algn="ctr"/>
             <a:r>
-              <a:rPr lang="es-ES" sz="1050" dirty="0" smtClean="0">
+              <a:rPr lang="es-ES" sz="1050" dirty="0">
                 <a:solidFill>
                   <a:schemeClr val="bg1"/>
                 </a:solidFill>
                 <a:latin typeface="Arial" panose="020B0604020202020204" pitchFamily="34" charset="0"/>
                 <a:cs typeface="Arial" panose="020B0604020202020204" pitchFamily="34" charset="0"/>
               </a:rPr>
-              <a:t>operaciones </a:t>
+              <a:t>operaciones Básicas</a:t>
             </a:r>
-            <a:r>
-              <a:rPr lang="es-ES" sz="1050" dirty="0" smtClean="0">
-                <a:solidFill>
-                  <a:schemeClr val="bg1"/>
-                </a:solidFill>
-                <a:latin typeface="Arial" panose="020B0604020202020204" pitchFamily="34" charset="0"/>
-                <a:cs typeface="Arial" panose="020B0604020202020204" pitchFamily="34" charset="0"/>
-              </a:rPr>
-              <a:t>Básicas</a:t>
-            </a:r>
-            <a:endParaRPr lang="es-ES" sz="1050" dirty="0">
-              <a:solidFill>
-                <a:schemeClr val="bg1"/>
-              </a:solidFill>
-              <a:latin typeface="Arial" panose="020B0604020202020204" pitchFamily="34" charset="0"/>
-              <a:cs typeface="Arial" panose="020B0604020202020204" pitchFamily="34" charset="0"/>
-            </a:endParaRPr>
           </a:p>
         </p:txBody>
       </p:sp>
@@ -1313,16 +1284,12 @@
           <a:p>
             <a:pPr algn="ctr"/>
             <a:r>
-              <a:rPr lang="es-ES" sz="900" dirty="0" smtClean="0">
+              <a:rPr lang="es-ES" sz="900" dirty="0">
                 <a:latin typeface="Arial" panose="020B0604020202020204" pitchFamily="34" charset="0"/>
                 <a:cs typeface="Arial" panose="020B0604020202020204" pitchFamily="34" charset="0"/>
               </a:rPr>
               <a:t>que son</a:t>
             </a:r>
-            <a:endParaRPr lang="es-ES" sz="900" dirty="0">
-              <a:latin typeface="Arial" panose="020B0604020202020204" pitchFamily="34" charset="0"/>
-              <a:cs typeface="Arial" panose="020B0604020202020204" pitchFamily="34" charset="0"/>
-            </a:endParaRPr>
           </a:p>
         </p:txBody>
       </p:sp>
@@ -1411,7 +1378,7 @@
           <a:p>
             <a:pPr algn="ctr"/>
             <a:r>
-              <a:rPr lang="es-ES" sz="900" dirty="0" smtClean="0">
+              <a:rPr lang="es-ES" sz="900" dirty="0">
                 <a:solidFill>
                   <a:schemeClr val="tx1"/>
                 </a:solidFill>
@@ -1420,13 +1387,6 @@
               </a:rPr>
               <a:t>sumas, restas, multiplicaciones y divisiones</a:t>
             </a:r>
-            <a:endParaRPr lang="es-ES" sz="900" dirty="0">
-              <a:solidFill>
-                <a:schemeClr val="tx1"/>
-              </a:solidFill>
-              <a:latin typeface="Arial" panose="020B0604020202020204" pitchFamily="34" charset="0"/>
-              <a:cs typeface="Arial" panose="020B0604020202020204" pitchFamily="34" charset="0"/>
-            </a:endParaRPr>
           </a:p>
         </p:txBody>
       </p:sp>
@@ -1480,25 +1440,8 @@
                 <a:latin typeface="Arial" panose="020B0604020202020204" pitchFamily="34" charset="0"/>
                 <a:cs typeface="Arial" panose="020B0604020202020204" pitchFamily="34" charset="0"/>
               </a:rPr>
-              <a:t>l</a:t>
+              <a:t>las operaciones de enteros y sus propiedades </a:t>
             </a:r>
-            <a:r>
-              <a:rPr lang="es-ES" sz="900" dirty="0" smtClean="0">
-                <a:solidFill>
-                  <a:schemeClr val="tx1"/>
-                </a:solidFill>
-                <a:latin typeface="Arial" panose="020B0604020202020204" pitchFamily="34" charset="0"/>
-                <a:cs typeface="Arial" panose="020B0604020202020204" pitchFamily="34" charset="0"/>
-              </a:rPr>
-              <a:t>as operaciones de enteros y sus propiedades </a:t>
-            </a:r>
-            <a:endParaRPr lang="es-ES" sz="900" dirty="0">
-              <a:solidFill>
-                <a:schemeClr val="tx1"/>
-              </a:solidFill>
-              <a:latin typeface="Arial" panose="020B0604020202020204" pitchFamily="34" charset="0"/>
-              <a:cs typeface="Arial" panose="020B0604020202020204" pitchFamily="34" charset="0"/>
-            </a:endParaRPr>
           </a:p>
         </p:txBody>
       </p:sp>
@@ -1545,7 +1488,7 @@
           <a:p>
             <a:pPr algn="ctr"/>
             <a:r>
-              <a:rPr lang="es-ES" sz="900" dirty="0" smtClean="0">
+              <a:rPr lang="es-ES" sz="900" dirty="0">
                 <a:solidFill>
                   <a:schemeClr val="tx1"/>
                 </a:solidFill>
@@ -1554,13 +1497,6 @@
               </a:rPr>
               <a:t>algoritmos</a:t>
             </a:r>
-            <a:endParaRPr lang="es-ES" sz="900" dirty="0">
-              <a:solidFill>
-                <a:schemeClr val="tx1"/>
-              </a:solidFill>
-              <a:latin typeface="Arial" panose="020B0604020202020204" pitchFamily="34" charset="0"/>
-              <a:cs typeface="Arial" panose="020B0604020202020204" pitchFamily="34" charset="0"/>
-            </a:endParaRPr>
           </a:p>
         </p:txBody>
       </p:sp>
@@ -1588,16 +1524,12 @@
           <a:p>
             <a:pPr algn="ctr"/>
             <a:r>
-              <a:rPr lang="es-ES" sz="900" dirty="0" smtClean="0">
+              <a:rPr lang="es-ES" sz="900" dirty="0">
                 <a:latin typeface="Arial" panose="020B0604020202020204" pitchFamily="34" charset="0"/>
                 <a:cs typeface="Arial" panose="020B0604020202020204" pitchFamily="34" charset="0"/>
               </a:rPr>
               <a:t>que extienden</a:t>
             </a:r>
-            <a:endParaRPr lang="es-ES" sz="900" dirty="0">
-              <a:latin typeface="Arial" panose="020B0604020202020204" pitchFamily="34" charset="0"/>
-              <a:cs typeface="Arial" panose="020B0604020202020204" pitchFamily="34" charset="0"/>
-            </a:endParaRPr>
           </a:p>
         </p:txBody>
       </p:sp>
@@ -1745,16 +1677,12 @@
           <a:p>
             <a:pPr algn="ctr"/>
             <a:r>
-              <a:rPr lang="es-ES" sz="900" dirty="0" smtClean="0">
+              <a:rPr lang="es-ES" sz="900" dirty="0">
                 <a:latin typeface="Arial" panose="020B0604020202020204" pitchFamily="34" charset="0"/>
                 <a:cs typeface="Arial" panose="020B0604020202020204" pitchFamily="34" charset="0"/>
               </a:rPr>
               <a:t>que tienen</a:t>
             </a:r>
-            <a:endParaRPr lang="es-ES" sz="900" dirty="0">
-              <a:latin typeface="Arial" panose="020B0604020202020204" pitchFamily="34" charset="0"/>
-              <a:cs typeface="Arial" panose="020B0604020202020204" pitchFamily="34" charset="0"/>
-            </a:endParaRPr>
           </a:p>
         </p:txBody>
       </p:sp>
@@ -1879,32 +1807,15 @@
           <a:p>
             <a:pPr algn="ctr"/>
             <a:r>
-              <a:rPr lang="es-ES" sz="900" dirty="0" smtClean="0">
+              <a:rPr lang="es-ES" sz="900" dirty="0">
                 <a:solidFill>
                   <a:schemeClr val="tx1"/>
                 </a:solidFill>
                 <a:latin typeface="Arial" panose="020B0604020202020204" pitchFamily="34" charset="0"/>
                 <a:cs typeface="Arial" panose="020B0604020202020204" pitchFamily="34" charset="0"/>
               </a:rPr>
-              <a:t>racionales </a:t>
+              <a:t>racionales fraccionarios</a:t>
             </a:r>
-            <a:r>
-              <a:rPr lang="es-ES" sz="900" dirty="0" smtClean="0">
-                <a:solidFill>
-                  <a:schemeClr val="tx1"/>
-                </a:solidFill>
-                <a:latin typeface="Arial" panose="020B0604020202020204" pitchFamily="34" charset="0"/>
-                <a:cs typeface="Arial" panose="020B0604020202020204" pitchFamily="34" charset="0"/>
-              </a:rPr>
-              <a:t>fraccionarios</a:t>
-            </a:r>
-            <a:endParaRPr lang="es-ES" sz="900" dirty="0">
-              <a:solidFill>
-                <a:schemeClr val="tx1"/>
-              </a:solidFill>
-              <a:latin typeface="Arial" panose="020B0604020202020204" pitchFamily="34" charset="0"/>
-              <a:cs typeface="Arial" panose="020B0604020202020204" pitchFamily="34" charset="0"/>
-            </a:endParaRPr>
           </a:p>
         </p:txBody>
       </p:sp>
@@ -1932,16 +1843,12 @@
           <a:p>
             <a:pPr algn="ctr"/>
             <a:r>
-              <a:rPr lang="es-ES" sz="900" dirty="0" smtClean="0">
+              <a:rPr lang="es-ES" sz="900" dirty="0">
                 <a:latin typeface="Arial" panose="020B0604020202020204" pitchFamily="34" charset="0"/>
                 <a:cs typeface="Arial" panose="020B0604020202020204" pitchFamily="34" charset="0"/>
               </a:rPr>
               <a:t>para </a:t>
             </a:r>
-            <a:endParaRPr lang="es-ES" sz="900" dirty="0">
-              <a:latin typeface="Arial" panose="020B0604020202020204" pitchFamily="34" charset="0"/>
-              <a:cs typeface="Arial" panose="020B0604020202020204" pitchFamily="34" charset="0"/>
-            </a:endParaRPr>
           </a:p>
         </p:txBody>
       </p:sp>
@@ -2075,16 +1982,12 @@
           <a:p>
             <a:pPr algn="ctr"/>
             <a:r>
-              <a:rPr lang="es-ES" sz="1200" b="1" dirty="0" smtClean="0">
+              <a:rPr lang="es-ES" sz="1200" b="1" dirty="0">
                 <a:latin typeface="Arial" panose="020B0604020202020204" pitchFamily="34" charset="0"/>
                 <a:cs typeface="Arial" panose="020B0604020202020204" pitchFamily="34" charset="0"/>
               </a:rPr>
               <a:t>Polinomios aritméticos</a:t>
             </a:r>
-            <a:endParaRPr lang="es-ES" sz="1200" b="1" dirty="0">
-              <a:latin typeface="Arial" panose="020B0604020202020204" pitchFamily="34" charset="0"/>
-              <a:cs typeface="Arial" panose="020B0604020202020204" pitchFamily="34" charset="0"/>
-            </a:endParaRPr>
           </a:p>
         </p:txBody>
       </p:sp>
@@ -2208,25 +2111,8 @@
                 <a:latin typeface="Arial" panose="020B0604020202020204" pitchFamily="34" charset="0"/>
                 <a:cs typeface="Arial" panose="020B0604020202020204" pitchFamily="34" charset="0"/>
               </a:rPr>
-              <a:t>c</a:t>
+              <a:t>combinaciones de operaciones</a:t>
             </a:r>
-            <a:r>
-              <a:rPr lang="es-ES" sz="1050" dirty="0" smtClean="0">
-                <a:solidFill>
-                  <a:schemeClr val="bg1"/>
-                </a:solidFill>
-                <a:latin typeface="Arial" panose="020B0604020202020204" pitchFamily="34" charset="0"/>
-                <a:cs typeface="Arial" panose="020B0604020202020204" pitchFamily="34" charset="0"/>
-              </a:rPr>
-              <a:t>ombinaciones de operaciones</a:t>
-            </a:r>
-            <a:endParaRPr lang="es-ES" sz="1050" dirty="0">
-              <a:solidFill>
-                <a:schemeClr val="bg1"/>
-              </a:solidFill>
-              <a:latin typeface="Arial" panose="020B0604020202020204" pitchFamily="34" charset="0"/>
-              <a:cs typeface="Arial" panose="020B0604020202020204" pitchFamily="34" charset="0"/>
-            </a:endParaRPr>
           </a:p>
         </p:txBody>
       </p:sp>
@@ -2294,16 +2180,12 @@
           <a:p>
             <a:pPr algn="ctr"/>
             <a:r>
-              <a:rPr lang="es-ES" sz="900" dirty="0" smtClean="0">
+              <a:rPr lang="es-ES" sz="900" dirty="0">
                 <a:latin typeface="Arial" panose="020B0604020202020204" pitchFamily="34" charset="0"/>
                 <a:cs typeface="Arial" panose="020B0604020202020204" pitchFamily="34" charset="0"/>
               </a:rPr>
               <a:t>cumplen</a:t>
             </a:r>
-            <a:endParaRPr lang="es-ES" sz="900" dirty="0">
-              <a:latin typeface="Arial" panose="020B0604020202020204" pitchFamily="34" charset="0"/>
-              <a:cs typeface="Arial" panose="020B0604020202020204" pitchFamily="34" charset="0"/>
-            </a:endParaRPr>
           </a:p>
         </p:txBody>
       </p:sp>
@@ -2392,7 +2274,7 @@
           <a:p>
             <a:pPr algn="ctr"/>
             <a:r>
-              <a:rPr lang="es-ES" sz="900" dirty="0" smtClean="0">
+              <a:rPr lang="es-ES" sz="900" dirty="0">
                 <a:solidFill>
                   <a:schemeClr val="tx1"/>
                 </a:solidFill>
@@ -2401,13 +2283,6 @@
               </a:rPr>
               <a:t>orden operativo</a:t>
             </a:r>
-            <a:endParaRPr lang="es-ES" sz="900" dirty="0">
-              <a:solidFill>
-                <a:schemeClr val="tx1"/>
-              </a:solidFill>
-              <a:latin typeface="Arial" panose="020B0604020202020204" pitchFamily="34" charset="0"/>
-              <a:cs typeface="Arial" panose="020B0604020202020204" pitchFamily="34" charset="0"/>
-            </a:endParaRPr>
           </a:p>
         </p:txBody>
       </p:sp>
@@ -2454,7 +2329,7 @@
           <a:p>
             <a:pPr algn="ctr"/>
             <a:r>
-              <a:rPr lang="es-ES" sz="900" dirty="0" smtClean="0">
+              <a:rPr lang="es-ES" sz="900" dirty="0">
                 <a:solidFill>
                   <a:schemeClr val="tx1"/>
                 </a:solidFill>
@@ -2463,13 +2338,6 @@
               </a:rPr>
               <a:t>signos de agrupación</a:t>
             </a:r>
-            <a:endParaRPr lang="es-ES" sz="900" dirty="0">
-              <a:solidFill>
-                <a:schemeClr val="tx1"/>
-              </a:solidFill>
-              <a:latin typeface="Arial" panose="020B0604020202020204" pitchFamily="34" charset="0"/>
-              <a:cs typeface="Arial" panose="020B0604020202020204" pitchFamily="34" charset="0"/>
-            </a:endParaRPr>
           </a:p>
         </p:txBody>
       </p:sp>
@@ -2497,16 +2365,12 @@
           <a:p>
             <a:pPr algn="ctr"/>
             <a:r>
-              <a:rPr lang="es-ES" sz="900" dirty="0" smtClean="0">
+              <a:rPr lang="es-ES" sz="900" dirty="0">
                 <a:latin typeface="Arial" panose="020B0604020202020204" pitchFamily="34" charset="0"/>
                 <a:cs typeface="Arial" panose="020B0604020202020204" pitchFamily="34" charset="0"/>
               </a:rPr>
               <a:t>pueden incluir</a:t>
             </a:r>
-            <a:endParaRPr lang="es-ES" sz="900" dirty="0">
-              <a:latin typeface="Arial" panose="020B0604020202020204" pitchFamily="34" charset="0"/>
-              <a:cs typeface="Arial" panose="020B0604020202020204" pitchFamily="34" charset="0"/>
-            </a:endParaRPr>
           </a:p>
         </p:txBody>
       </p:sp>
@@ -2720,16 +2584,12 @@
           <a:p>
             <a:pPr algn="ctr"/>
             <a:r>
-              <a:rPr lang="es-ES" sz="1200" b="1" dirty="0" smtClean="0">
+              <a:rPr lang="es-ES" sz="1200" b="1" dirty="0">
                 <a:latin typeface="Arial" panose="020B0604020202020204" pitchFamily="34" charset="0"/>
                 <a:cs typeface="Arial" panose="020B0604020202020204" pitchFamily="34" charset="0"/>
               </a:rPr>
               <a:t>Ecuaciones</a:t>
             </a:r>
-            <a:endParaRPr lang="es-ES" sz="1200" b="1" dirty="0">
-              <a:latin typeface="Arial" panose="020B0604020202020204" pitchFamily="34" charset="0"/>
-              <a:cs typeface="Arial" panose="020B0604020202020204" pitchFamily="34" charset="0"/>
-            </a:endParaRPr>
           </a:p>
         </p:txBody>
       </p:sp>
@@ -2795,16 +2655,12 @@
           <a:p>
             <a:pPr algn="ctr"/>
             <a:r>
-              <a:rPr lang="es-ES" sz="900" dirty="0" smtClean="0">
+              <a:rPr lang="es-ES" sz="900" dirty="0">
                 <a:latin typeface="Arial" panose="020B0604020202020204" pitchFamily="34" charset="0"/>
                 <a:cs typeface="Arial" panose="020B0604020202020204" pitchFamily="34" charset="0"/>
               </a:rPr>
               <a:t>modelan</a:t>
             </a:r>
-            <a:endParaRPr lang="es-ES" sz="900" dirty="0">
-              <a:latin typeface="Arial" panose="020B0604020202020204" pitchFamily="34" charset="0"/>
-              <a:cs typeface="Arial" panose="020B0604020202020204" pitchFamily="34" charset="0"/>
-            </a:endParaRPr>
           </a:p>
         </p:txBody>
       </p:sp>
@@ -2893,7 +2749,7 @@
           <a:p>
             <a:pPr algn="ctr"/>
             <a:r>
-              <a:rPr lang="es-ES" sz="1050" dirty="0" smtClean="0">
+              <a:rPr lang="es-ES" sz="1050" dirty="0">
                 <a:solidFill>
                   <a:schemeClr val="bg1"/>
                 </a:solidFill>
@@ -2902,13 +2758,6 @@
               </a:rPr>
               <a:t>problemas de aplicación</a:t>
             </a:r>
-            <a:endParaRPr lang="es-ES" sz="1050" dirty="0">
-              <a:solidFill>
-                <a:schemeClr val="bg1"/>
-              </a:solidFill>
-              <a:latin typeface="Arial" panose="020B0604020202020204" pitchFamily="34" charset="0"/>
-              <a:cs typeface="Arial" panose="020B0604020202020204" pitchFamily="34" charset="0"/>
-            </a:endParaRPr>
           </a:p>
         </p:txBody>
       </p:sp>
@@ -2980,19 +2829,8 @@
                 <a:latin typeface="Arial" panose="020B0604020202020204" pitchFamily="34" charset="0"/>
                 <a:cs typeface="Arial" panose="020B0604020202020204" pitchFamily="34" charset="0"/>
               </a:rPr>
-              <a:t>c</a:t>
+              <a:t>con</a:t>
             </a:r>
-            <a:r>
-              <a:rPr lang="es-ES" sz="900" dirty="0" smtClean="0">
-                <a:latin typeface="Arial" panose="020B0604020202020204" pitchFamily="34" charset="0"/>
-                <a:cs typeface="Arial" panose="020B0604020202020204" pitchFamily="34" charset="0"/>
-              </a:rPr>
-              <a:t>on</a:t>
-            </a:r>
-            <a:endParaRPr lang="es-ES" sz="900" dirty="0">
-              <a:latin typeface="Arial" panose="020B0604020202020204" pitchFamily="34" charset="0"/>
-              <a:cs typeface="Arial" panose="020B0604020202020204" pitchFamily="34" charset="0"/>
-            </a:endParaRPr>
           </a:p>
         </p:txBody>
       </p:sp>
@@ -3081,7 +2919,7 @@
           <a:p>
             <a:pPr algn="ctr"/>
             <a:r>
-              <a:rPr lang="es-ES" sz="900" dirty="0" smtClean="0">
+              <a:rPr lang="es-ES" sz="900" dirty="0">
                 <a:solidFill>
                   <a:schemeClr val="tx1"/>
                 </a:solidFill>
@@ -3090,13 +2928,6 @@
               </a:rPr>
               <a:t>una variable y operaciones racionales</a:t>
             </a:r>
-            <a:endParaRPr lang="es-ES" sz="900" dirty="0">
-              <a:solidFill>
-                <a:schemeClr val="tx1"/>
-              </a:solidFill>
-              <a:latin typeface="Arial" panose="020B0604020202020204" pitchFamily="34" charset="0"/>
-              <a:cs typeface="Arial" panose="020B0604020202020204" pitchFamily="34" charset="0"/>
-            </a:endParaRPr>
           </a:p>
         </p:txBody>
       </p:sp>
@@ -3143,7 +2974,7 @@
           <a:p>
             <a:pPr algn="ctr"/>
             <a:r>
-              <a:rPr lang="es-ES" sz="900" dirty="0" smtClean="0">
+              <a:rPr lang="es-ES" sz="900" dirty="0">
                 <a:solidFill>
                   <a:schemeClr val="tx1"/>
                 </a:solidFill>
@@ -3152,13 +2983,6 @@
               </a:rPr>
               <a:t>propiedad uniforme de la igualdad</a:t>
             </a:r>
-            <a:endParaRPr lang="es-ES" sz="900" dirty="0">
-              <a:solidFill>
-                <a:schemeClr val="tx1"/>
-              </a:solidFill>
-              <a:latin typeface="Arial" panose="020B0604020202020204" pitchFamily="34" charset="0"/>
-              <a:cs typeface="Arial" panose="020B0604020202020204" pitchFamily="34" charset="0"/>
-            </a:endParaRPr>
           </a:p>
         </p:txBody>
       </p:sp>
@@ -3186,16 +3010,12 @@
           <a:p>
             <a:pPr algn="ctr"/>
             <a:r>
-              <a:rPr lang="es-ES" sz="900" dirty="0" smtClean="0">
+              <a:rPr lang="es-ES" sz="900" dirty="0">
                 <a:latin typeface="Arial" panose="020B0604020202020204" pitchFamily="34" charset="0"/>
                 <a:cs typeface="Arial" panose="020B0604020202020204" pitchFamily="34" charset="0"/>
               </a:rPr>
               <a:t>usa</a:t>
             </a:r>
-            <a:endParaRPr lang="es-ES" sz="900" dirty="0">
-              <a:latin typeface="Arial" panose="020B0604020202020204" pitchFamily="34" charset="0"/>
-              <a:cs typeface="Arial" panose="020B0604020202020204" pitchFamily="34" charset="0"/>
-            </a:endParaRPr>
           </a:p>
         </p:txBody>
       </p:sp>
@@ -3363,32 +3183,15 @@
           <a:p>
             <a:pPr algn="ctr"/>
             <a:r>
-              <a:rPr lang="es-ES" sz="1050" dirty="0" smtClean="0">
+              <a:rPr lang="es-ES" sz="1050" dirty="0">
                 <a:solidFill>
                   <a:schemeClr val="bg1"/>
                 </a:solidFill>
                 <a:latin typeface="Arial" panose="020B0604020202020204" pitchFamily="34" charset="0"/>
                 <a:cs typeface="Arial" panose="020B0604020202020204" pitchFamily="34" charset="0"/>
               </a:rPr>
-              <a:t>potencias </a:t>
+              <a:t>potencias y raíces</a:t>
             </a:r>
-            <a:r>
-              <a:rPr lang="es-ES" sz="1050" dirty="0" smtClean="0">
-                <a:solidFill>
-                  <a:schemeClr val="bg1"/>
-                </a:solidFill>
-                <a:latin typeface="Arial" panose="020B0604020202020204" pitchFamily="34" charset="0"/>
-                <a:cs typeface="Arial" panose="020B0604020202020204" pitchFamily="34" charset="0"/>
-              </a:rPr>
-              <a:t>y raíces</a:t>
-            </a:r>
-            <a:endParaRPr lang="es-ES" sz="1050" dirty="0">
-              <a:solidFill>
-                <a:schemeClr val="bg1"/>
-              </a:solidFill>
-              <a:latin typeface="Arial" panose="020B0604020202020204" pitchFamily="34" charset="0"/>
-              <a:cs typeface="Arial" panose="020B0604020202020204" pitchFamily="34" charset="0"/>
-            </a:endParaRPr>
           </a:p>
         </p:txBody>
       </p:sp>
@@ -3475,32 +3278,15 @@
           <a:p>
             <a:pPr algn="ctr"/>
             <a:r>
-              <a:rPr lang="es-ES" sz="900" dirty="0" smtClean="0">
+              <a:rPr lang="es-ES" sz="900" dirty="0">
                 <a:solidFill>
                   <a:schemeClr val="tx1"/>
                 </a:solidFill>
                 <a:latin typeface="Arial" panose="020B0604020202020204" pitchFamily="34" charset="0"/>
                 <a:cs typeface="Arial" panose="020B0604020202020204" pitchFamily="34" charset="0"/>
               </a:rPr>
-              <a:t>racionales </a:t>
+              <a:t>racionales decimales</a:t>
             </a:r>
-            <a:r>
-              <a:rPr lang="es-ES" sz="900" dirty="0" smtClean="0">
-                <a:solidFill>
-                  <a:schemeClr val="tx1"/>
-                </a:solidFill>
-                <a:latin typeface="Arial" panose="020B0604020202020204" pitchFamily="34" charset="0"/>
-                <a:cs typeface="Arial" panose="020B0604020202020204" pitchFamily="34" charset="0"/>
-              </a:rPr>
-              <a:t>decimales</a:t>
-            </a:r>
-            <a:endParaRPr lang="es-ES" sz="900" dirty="0">
-              <a:solidFill>
-                <a:schemeClr val="tx1"/>
-              </a:solidFill>
-              <a:latin typeface="Arial" panose="020B0604020202020204" pitchFamily="34" charset="0"/>
-              <a:cs typeface="Arial" panose="020B0604020202020204" pitchFamily="34" charset="0"/>
-            </a:endParaRPr>
           </a:p>
         </p:txBody>
       </p:sp>
@@ -3568,16 +3354,12 @@
           <a:p>
             <a:pPr algn="ctr"/>
             <a:r>
-              <a:rPr lang="es-ES" sz="900" dirty="0" smtClean="0">
+              <a:rPr lang="es-ES" sz="900" dirty="0">
                 <a:latin typeface="Arial" panose="020B0604020202020204" pitchFamily="34" charset="0"/>
                 <a:cs typeface="Arial" panose="020B0604020202020204" pitchFamily="34" charset="0"/>
               </a:rPr>
               <a:t>reducidas a</a:t>
             </a:r>
-            <a:endParaRPr lang="es-ES" sz="900" dirty="0">
-              <a:latin typeface="Arial" panose="020B0604020202020204" pitchFamily="34" charset="0"/>
-              <a:cs typeface="Arial" panose="020B0604020202020204" pitchFamily="34" charset="0"/>
-            </a:endParaRPr>
           </a:p>
         </p:txBody>
       </p:sp>
@@ -3626,7 +3408,7 @@
           <a:p>
             <a:pPr algn="ctr"/>
             <a:r>
-              <a:rPr lang="es-ES" sz="900" dirty="0" smtClean="0">
+              <a:rPr lang="es-ES" sz="900" dirty="0">
                 <a:solidFill>
                   <a:schemeClr val="tx1"/>
                 </a:solidFill>
@@ -3635,13 +3417,6 @@
               </a:rPr>
               <a:t>operaciones de enteros</a:t>
             </a:r>
-            <a:endParaRPr lang="es-ES" sz="900" dirty="0">
-              <a:solidFill>
-                <a:schemeClr val="tx1"/>
-              </a:solidFill>
-              <a:latin typeface="Arial" panose="020B0604020202020204" pitchFamily="34" charset="0"/>
-              <a:cs typeface="Arial" panose="020B0604020202020204" pitchFamily="34" charset="0"/>
-            </a:endParaRPr>
           </a:p>
         </p:txBody>
       </p:sp>
@@ -3688,7 +3463,7 @@
           <a:p>
             <a:pPr algn="ctr"/>
             <a:r>
-              <a:rPr lang="es-ES" sz="900" dirty="0" smtClean="0">
+              <a:rPr lang="es-ES" sz="900" dirty="0">
                 <a:solidFill>
                   <a:schemeClr val="tx1"/>
                 </a:solidFill>
@@ -3697,13 +3472,6 @@
               </a:rPr>
               <a:t>numerador y denominador</a:t>
             </a:r>
-            <a:endParaRPr lang="es-ES" sz="900" dirty="0">
-              <a:solidFill>
-                <a:schemeClr val="tx1"/>
-              </a:solidFill>
-              <a:latin typeface="Arial" panose="020B0604020202020204" pitchFamily="34" charset="0"/>
-              <a:cs typeface="Arial" panose="020B0604020202020204" pitchFamily="34" charset="0"/>
-            </a:endParaRPr>
           </a:p>
         </p:txBody>
       </p:sp>
@@ -3731,16 +3499,12 @@
           <a:p>
             <a:pPr algn="ctr"/>
             <a:r>
-              <a:rPr lang="es-ES" sz="900" dirty="0" smtClean="0">
+              <a:rPr lang="es-ES" sz="900" dirty="0">
                 <a:latin typeface="Arial" panose="020B0604020202020204" pitchFamily="34" charset="0"/>
                 <a:cs typeface="Arial" panose="020B0604020202020204" pitchFamily="34" charset="0"/>
               </a:rPr>
               <a:t>para</a:t>
             </a:r>
-            <a:endParaRPr lang="es-ES" sz="900" dirty="0">
-              <a:latin typeface="Arial" panose="020B0604020202020204" pitchFamily="34" charset="0"/>
-              <a:cs typeface="Arial" panose="020B0604020202020204" pitchFamily="34" charset="0"/>
-            </a:endParaRPr>
           </a:p>
         </p:txBody>
       </p:sp>
@@ -3928,16 +3692,12 @@
           <a:p>
             <a:pPr algn="ctr"/>
             <a:r>
-              <a:rPr lang="es-ES" sz="900" dirty="0" smtClean="0">
+              <a:rPr lang="es-ES" sz="900" dirty="0">
                 <a:latin typeface="Arial" panose="020B0604020202020204" pitchFamily="34" charset="0"/>
                 <a:cs typeface="Arial" panose="020B0604020202020204" pitchFamily="34" charset="0"/>
               </a:rPr>
               <a:t>son</a:t>
             </a:r>
-            <a:endParaRPr lang="es-ES" sz="900" dirty="0">
-              <a:latin typeface="Arial" panose="020B0604020202020204" pitchFamily="34" charset="0"/>
-              <a:cs typeface="Arial" panose="020B0604020202020204" pitchFamily="34" charset="0"/>
-            </a:endParaRPr>
           </a:p>
         </p:txBody>
       </p:sp>
@@ -4005,16 +3765,12 @@
           <a:p>
             <a:pPr algn="ctr"/>
             <a:r>
-              <a:rPr lang="es-ES" sz="900" dirty="0" smtClean="0">
+              <a:rPr lang="es-ES" sz="900" dirty="0">
                 <a:latin typeface="Arial" panose="020B0604020202020204" pitchFamily="34" charset="0"/>
                 <a:cs typeface="Arial" panose="020B0604020202020204" pitchFamily="34" charset="0"/>
               </a:rPr>
               <a:t>dado por</a:t>
             </a:r>
-            <a:endParaRPr lang="es-ES" sz="900" dirty="0">
-              <a:latin typeface="Arial" panose="020B0604020202020204" pitchFamily="34" charset="0"/>
-              <a:cs typeface="Arial" panose="020B0604020202020204" pitchFamily="34" charset="0"/>
-            </a:endParaRPr>
           </a:p>
         </p:txBody>
       </p:sp>
@@ -4140,98 +3896,38 @@
           <a:lstStyle/>
           <a:p>
             <a:r>
-              <a:rPr lang="es-ES" sz="900" dirty="0" smtClean="0">
+              <a:rPr lang="es-ES" sz="900" dirty="0">
                 <a:solidFill>
                   <a:schemeClr val="tx1"/>
                 </a:solidFill>
                 <a:latin typeface="Arial" panose="020B0604020202020204" pitchFamily="34" charset="0"/>
                 <a:cs typeface="Arial" panose="020B0604020202020204" pitchFamily="34" charset="0"/>
               </a:rPr>
-              <a:t>1. </a:t>
+              <a:t>1. potencias y raíces</a:t>
             </a:r>
+          </a:p>
+          <a:p>
             <a:r>
-              <a:rPr lang="es-ES" sz="900" dirty="0" smtClean="0">
+              <a:rPr lang="es-ES" sz="900" dirty="0">
                 <a:solidFill>
                   <a:schemeClr val="tx1"/>
                 </a:solidFill>
                 <a:latin typeface="Arial" panose="020B0604020202020204" pitchFamily="34" charset="0"/>
                 <a:cs typeface="Arial" panose="020B0604020202020204" pitchFamily="34" charset="0"/>
               </a:rPr>
-              <a:t>potencias </a:t>
+              <a:t>2. multiplicaciones y divisiones</a:t>
             </a:r>
+          </a:p>
+          <a:p>
             <a:r>
-              <a:rPr lang="es-ES" sz="900" dirty="0" smtClean="0">
+              <a:rPr lang="es-ES" sz="900" dirty="0">
                 <a:solidFill>
                   <a:schemeClr val="tx1"/>
                 </a:solidFill>
                 <a:latin typeface="Arial" panose="020B0604020202020204" pitchFamily="34" charset="0"/>
                 <a:cs typeface="Arial" panose="020B0604020202020204" pitchFamily="34" charset="0"/>
               </a:rPr>
-              <a:t>y raíces.</a:t>
-            </a:r>
-          </a:p>
-          <a:p>
-            <a:r>
-              <a:rPr lang="es-ES" sz="900" dirty="0" smtClean="0">
-                <a:solidFill>
-                  <a:schemeClr val="tx1"/>
-                </a:solidFill>
-                <a:latin typeface="Arial" panose="020B0604020202020204" pitchFamily="34" charset="0"/>
-                <a:cs typeface="Arial" panose="020B0604020202020204" pitchFamily="34" charset="0"/>
-              </a:rPr>
-              <a:t>2. </a:t>
-            </a:r>
-            <a:r>
-              <a:rPr lang="es-ES" sz="900" dirty="0" smtClean="0">
-                <a:solidFill>
-                  <a:schemeClr val="tx1"/>
-                </a:solidFill>
-                <a:latin typeface="Arial" panose="020B0604020202020204" pitchFamily="34" charset="0"/>
-                <a:cs typeface="Arial" panose="020B0604020202020204" pitchFamily="34" charset="0"/>
-              </a:rPr>
-              <a:t>multiplicaciones </a:t>
-            </a:r>
-            <a:r>
-              <a:rPr lang="es-ES" sz="900" dirty="0" smtClean="0">
-                <a:solidFill>
-                  <a:schemeClr val="tx1"/>
-                </a:solidFill>
-                <a:latin typeface="Arial" panose="020B0604020202020204" pitchFamily="34" charset="0"/>
-                <a:cs typeface="Arial" panose="020B0604020202020204" pitchFamily="34" charset="0"/>
-              </a:rPr>
-              <a:t>y divisiones.</a:t>
-            </a:r>
-          </a:p>
-          <a:p>
-            <a:r>
-              <a:rPr lang="es-ES" sz="900" dirty="0" smtClean="0">
-                <a:solidFill>
-                  <a:schemeClr val="tx1"/>
-                </a:solidFill>
-                <a:latin typeface="Arial" panose="020B0604020202020204" pitchFamily="34" charset="0"/>
-                <a:cs typeface="Arial" panose="020B0604020202020204" pitchFamily="34" charset="0"/>
-              </a:rPr>
-              <a:t>3. </a:t>
-            </a:r>
-            <a:r>
-              <a:rPr lang="es-ES" sz="900" dirty="0" smtClean="0">
-                <a:solidFill>
-                  <a:schemeClr val="tx1"/>
-                </a:solidFill>
-                <a:latin typeface="Arial" panose="020B0604020202020204" pitchFamily="34" charset="0"/>
-                <a:cs typeface="Arial" panose="020B0604020202020204" pitchFamily="34" charset="0"/>
-              </a:rPr>
-              <a:t>sumas </a:t>
-            </a:r>
-            <a:r>
-              <a:rPr lang="es-ES" sz="900" dirty="0" smtClean="0">
-                <a:solidFill>
-                  <a:schemeClr val="tx1"/>
-                </a:solidFill>
-                <a:latin typeface="Arial" panose="020B0604020202020204" pitchFamily="34" charset="0"/>
-                <a:cs typeface="Arial" panose="020B0604020202020204" pitchFamily="34" charset="0"/>
-              </a:rPr>
-              <a:t>y restas.</a:t>
+              <a:t>3. sumas y restas</a:t>
             </a:r>
           </a:p>
         </p:txBody>
@@ -4279,7 +3975,7 @@
           <a:p>
             <a:pPr algn="ctr"/>
             <a:r>
-              <a:rPr lang="es-ES" sz="900" dirty="0" smtClean="0">
+              <a:rPr lang="es-ES" sz="900" dirty="0">
                 <a:solidFill>
                   <a:schemeClr val="tx1"/>
                 </a:solidFill>
@@ -4288,13 +3984,6 @@
               </a:rPr>
               <a:t>operaciones  de izquierda a derecha</a:t>
             </a:r>
-            <a:endParaRPr lang="es-ES" sz="900" dirty="0">
-              <a:solidFill>
-                <a:schemeClr val="tx1"/>
-              </a:solidFill>
-              <a:latin typeface="Arial" panose="020B0604020202020204" pitchFamily="34" charset="0"/>
-              <a:cs typeface="Arial" panose="020B0604020202020204" pitchFamily="34" charset="0"/>
-            </a:endParaRPr>
           </a:p>
         </p:txBody>
       </p:sp>
@@ -4379,7 +4068,7 @@
           <a:p>
             <a:pPr algn="ctr"/>
             <a:r>
-              <a:rPr lang="es-ES" sz="900" dirty="0" smtClean="0">
+              <a:rPr lang="es-ES" sz="900" dirty="0">
                 <a:solidFill>
                   <a:schemeClr val="tx1"/>
                 </a:solidFill>
@@ -4388,13 +4077,6 @@
               </a:rPr>
               <a:t>jerarquía de operaciones</a:t>
             </a:r>
-            <a:endParaRPr lang="es-ES" sz="900" dirty="0">
-              <a:solidFill>
-                <a:schemeClr val="tx1"/>
-              </a:solidFill>
-              <a:latin typeface="Arial" panose="020B0604020202020204" pitchFamily="34" charset="0"/>
-              <a:cs typeface="Arial" panose="020B0604020202020204" pitchFamily="34" charset="0"/>
-            </a:endParaRPr>
           </a:p>
         </p:txBody>
       </p:sp>
@@ -4422,16 +4104,12 @@
           <a:p>
             <a:pPr algn="ctr"/>
             <a:r>
-              <a:rPr lang="es-ES" sz="900" dirty="0" smtClean="0">
+              <a:rPr lang="es-ES" sz="900" dirty="0">
                 <a:latin typeface="Arial" panose="020B0604020202020204" pitchFamily="34" charset="0"/>
                 <a:cs typeface="Arial" panose="020B0604020202020204" pitchFamily="34" charset="0"/>
               </a:rPr>
               <a:t>cumplen</a:t>
             </a:r>
-            <a:endParaRPr lang="es-ES" sz="900" dirty="0">
-              <a:latin typeface="Arial" panose="020B0604020202020204" pitchFamily="34" charset="0"/>
-              <a:cs typeface="Arial" panose="020B0604020202020204" pitchFamily="34" charset="0"/>
-            </a:endParaRPr>
           </a:p>
         </p:txBody>
       </p:sp>
@@ -4517,66 +4195,14 @@
           <a:lstStyle/>
           <a:p>
             <a:r>
-              <a:rPr lang="es-ES" sz="900" dirty="0" smtClean="0">
+              <a:rPr lang="es-ES" sz="900" dirty="0">
                 <a:solidFill>
                   <a:schemeClr val="tx1"/>
                 </a:solidFill>
                 <a:latin typeface="Arial" panose="020B0604020202020204" pitchFamily="34" charset="0"/>
                 <a:cs typeface="Arial" panose="020B0604020202020204" pitchFamily="34" charset="0"/>
               </a:rPr>
-              <a:t>1. </a:t>
-            </a:r>
-            <a:r>
-              <a:rPr lang="es-ES" sz="900" dirty="0" smtClean="0">
-                <a:solidFill>
-                  <a:schemeClr val="tx1"/>
-                </a:solidFill>
-                <a:latin typeface="Arial" panose="020B0604020202020204" pitchFamily="34" charset="0"/>
-                <a:cs typeface="Arial" panose="020B0604020202020204" pitchFamily="34" charset="0"/>
-              </a:rPr>
-              <a:t>signos </a:t>
-            </a:r>
-            <a:r>
-              <a:rPr lang="es-ES" sz="900" dirty="0" smtClean="0">
-                <a:solidFill>
-                  <a:schemeClr val="tx1"/>
-                </a:solidFill>
-                <a:latin typeface="Arial" panose="020B0604020202020204" pitchFamily="34" charset="0"/>
-                <a:cs typeface="Arial" panose="020B0604020202020204" pitchFamily="34" charset="0"/>
-              </a:rPr>
-              <a:t>de agrupación</a:t>
-            </a:r>
-          </a:p>
-          <a:p>
-            <a:r>
-              <a:rPr lang="es-ES" sz="900" dirty="0" smtClean="0">
-                <a:solidFill>
-                  <a:schemeClr val="tx1"/>
-                </a:solidFill>
-                <a:latin typeface="Arial" panose="020B0604020202020204" pitchFamily="34" charset="0"/>
-                <a:cs typeface="Arial" panose="020B0604020202020204" pitchFamily="34" charset="0"/>
-              </a:rPr>
-              <a:t>2. </a:t>
-            </a:r>
-            <a:r>
-              <a:rPr lang="es-ES" sz="900" dirty="0" smtClean="0">
-                <a:solidFill>
-                  <a:schemeClr val="tx1"/>
-                </a:solidFill>
-                <a:latin typeface="Arial" panose="020B0604020202020204" pitchFamily="34" charset="0"/>
-                <a:cs typeface="Arial" panose="020B0604020202020204" pitchFamily="34" charset="0"/>
-              </a:rPr>
-              <a:t>potencias </a:t>
-            </a:r>
-            <a:r>
-              <a:rPr lang="es-ES" sz="900" dirty="0" smtClean="0">
-                <a:solidFill>
-                  <a:schemeClr val="tx1"/>
-                </a:solidFill>
-                <a:latin typeface="Arial" panose="020B0604020202020204" pitchFamily="34" charset="0"/>
-                <a:cs typeface="Arial" panose="020B0604020202020204" pitchFamily="34" charset="0"/>
-              </a:rPr>
-              <a:t>y raíces.</a:t>
+              <a:t>1. signos de agrupación</a:t>
             </a:r>
           </a:p>
           <a:p>
@@ -4588,37 +4214,7 @@
                 <a:latin typeface="Arial" panose="020B0604020202020204" pitchFamily="34" charset="0"/>
                 <a:cs typeface="Arial" panose="020B0604020202020204" pitchFamily="34" charset="0"/>
               </a:rPr>
-              <a:t>3</a:t>
-            </a:r>
-            <a:r>
-              <a:rPr lang="es-ES" sz="900" dirty="0" smtClean="0">
-                <a:solidFill>
-                  <a:schemeClr val="tx1"/>
-                </a:solidFill>
-                <a:latin typeface="Arial" panose="020B0604020202020204" pitchFamily="34" charset="0"/>
-                <a:cs typeface="Arial" panose="020B0604020202020204" pitchFamily="34" charset="0"/>
-              </a:rPr>
-              <a:t>. </a:t>
-            </a:r>
-            <a:r>
-              <a:rPr lang="es-ES" sz="900" dirty="0" smtClean="0">
-                <a:solidFill>
-                  <a:schemeClr val="tx1"/>
-                </a:solidFill>
-                <a:latin typeface="Arial" panose="020B0604020202020204" pitchFamily="34" charset="0"/>
-                <a:cs typeface="Arial" panose="020B0604020202020204" pitchFamily="34" charset="0"/>
-              </a:rPr>
-              <a:t>multiplicaciones </a:t>
-            </a:r>
-            <a:r>
-              <a:rPr lang="es-ES" sz="900" dirty="0" smtClean="0">
-                <a:solidFill>
-                  <a:schemeClr val="tx1"/>
-                </a:solidFill>
-                <a:latin typeface="Arial" panose="020B0604020202020204" pitchFamily="34" charset="0"/>
-                <a:cs typeface="Arial" panose="020B0604020202020204" pitchFamily="34" charset="0"/>
-              </a:rPr>
-              <a:t>y divisiones.</a:t>
+              <a:t>2. potencias y raíces</a:t>
             </a:r>
           </a:p>
           <a:p>
@@ -4630,38 +4226,37 @@
                 <a:latin typeface="Arial" panose="020B0604020202020204" pitchFamily="34" charset="0"/>
                 <a:cs typeface="Arial" panose="020B0604020202020204" pitchFamily="34" charset="0"/>
               </a:rPr>
-              <a:t>4</a:t>
+              <a:t>3. multiplicaciones y divisiones</a:t>
             </a:r>
+          </a:p>
+          <a:p>
             <a:r>
-              <a:rPr lang="es-ES" sz="900" dirty="0" smtClean="0">
+              <a:rPr lang="es-ES" sz="900" dirty="0">
                 <a:solidFill>
                   <a:schemeClr val="tx1"/>
                 </a:solidFill>
                 <a:latin typeface="Arial" panose="020B0604020202020204" pitchFamily="34" charset="0"/>
                 <a:cs typeface="Arial" panose="020B0604020202020204" pitchFamily="34" charset="0"/>
               </a:rPr>
-              <a:t>. </a:t>
+              <a:t>4. sumas </a:t>
             </a:r>
             <a:r>
-              <a:rPr lang="es-ES" sz="900" dirty="0" smtClean="0">
+              <a:rPr lang="es-ES" sz="900">
                 <a:solidFill>
                   <a:schemeClr val="tx1"/>
                 </a:solidFill>
                 <a:latin typeface="Arial" panose="020B0604020202020204" pitchFamily="34" charset="0"/>
                 <a:cs typeface="Arial" panose="020B0604020202020204" pitchFamily="34" charset="0"/>
               </a:rPr>
-              <a:t>sumas </a:t>
+              <a:t>y restas</a:t>
             </a:r>
-            <a:r>
-              <a:rPr lang="es-ES" sz="900" dirty="0" smtClean="0">
-                <a:solidFill>
-                  <a:schemeClr val="tx1"/>
-                </a:solidFill>
-                <a:latin typeface="Arial" panose="020B0604020202020204" pitchFamily="34" charset="0"/>
-                <a:cs typeface="Arial" panose="020B0604020202020204" pitchFamily="34" charset="0"/>
-              </a:rPr>
-              <a:t>y restas.</a:t>
-            </a:r>
+            <a:endParaRPr lang="es-ES" sz="900" dirty="0">
+              <a:solidFill>
+                <a:schemeClr val="tx1"/>
+              </a:solidFill>
+              <a:latin typeface="Arial" panose="020B0604020202020204" pitchFamily="34" charset="0"/>
+              <a:cs typeface="Arial" panose="020B0604020202020204" pitchFamily="34" charset="0"/>
+            </a:endParaRPr>
           </a:p>
         </p:txBody>
       </p:sp>
